--- a/Data Analysis Presentation.pptx
+++ b/Data Analysis Presentation.pptx
@@ -5609,7 +5609,7 @@
       </p:grpSpPr>
       <p:pic>
         <p:nvPicPr>
-          <p:cNvPr id="2" name="Picture 1"/>
+          <p:cNvPr id="3" name="Picture 2"/>
           <p:cNvPicPr>
             <a:picLocks noChangeAspect="1"/>
           </p:cNvPicPr>
@@ -5629,8 +5629,8 @@
         </p:blipFill>
         <p:spPr>
           <a:xfrm>
-            <a:off x="0" y="0"/>
-            <a:ext cx="12196572" cy="6858000"/>
+            <a:off x="0" y="-1"/>
+            <a:ext cx="12192000" cy="6858001"/>
           </a:xfrm>
           <a:prstGeom prst="rect">
             <a:avLst/>
